--- a/ReactJS/02-React-Components-Basic-Idea/02. React-Components - Basic Idea.pptx
+++ b/ReactJS/02-React-Components-Basic-Idea/02. React-Components - Basic Idea.pptx
@@ -382,7 +382,7 @@
           <a:p>
             <a:fld id="{4E087215-0C8F-4762-A664-737A353EC9A4}" type="datetimeFigureOut">
               <a:rPr lang="bg-BG" smtClean="0"/>
-              <a:t>03.07.2020 г.</a:t>
+              <a:t>15.7.2021 г.</a:t>
             </a:fld>
             <a:endParaRPr lang="bg-BG"/>
           </a:p>
@@ -573,7 +573,7 @@
           <a:p>
             <a:fld id="{72D84649-876A-46C9-8472-14CB09C070D8}" type="datetimeFigureOut">
               <a:rPr lang="en-US" smtClean="0"/>
-              <a:t>7/3/2020</a:t>
+              <a:t>7/15/2021</a:t>
             </a:fld>
             <a:endParaRPr lang="en-US"/>
           </a:p>
@@ -3548,7 +3548,7 @@
                 <a:hlinkClick r:id="rId2">
                   <a:extLst>
                     <a:ext uri="{A12FA001-AC4F-418D-AE19-62706E023703}">
-                      <ahyp:hlinkClr xmlns:ahyp="http://schemas.microsoft.com/office/drawing/2018/hyperlinkcolor" xmlns="" val="tx"/>
+                      <ahyp:hlinkClr xmlns:ahyp="http://schemas.microsoft.com/office/drawing/2018/hyperlinkcolor" val="tx"/>
                     </a:ext>
                   </a:extLst>
                 </a:hlinkClick>
@@ -3567,7 +3567,7 @@
                 <a:hlinkClick r:id="rId2">
                   <a:extLst>
                     <a:ext uri="{A12FA001-AC4F-418D-AE19-62706E023703}">
-                      <ahyp:hlinkClr xmlns:ahyp="http://schemas.microsoft.com/office/drawing/2018/hyperlinkcolor" xmlns="" val="tx"/>
+                      <ahyp:hlinkClr xmlns:ahyp="http://schemas.microsoft.com/office/drawing/2018/hyperlinkcolor" val="tx"/>
                     </a:ext>
                   </a:extLst>
                 </a:hlinkClick>
@@ -13310,7 +13310,7 @@
                 <a:hlinkClick r:id="rId2">
                   <a:extLst>
                     <a:ext uri="{A12FA001-AC4F-418D-AE19-62706E023703}">
-                      <ahyp:hlinkClr xmlns:ahyp="http://schemas.microsoft.com/office/drawing/2018/hyperlinkcolor" xmlns="" val="tx"/>
+                      <ahyp:hlinkClr xmlns:ahyp="http://schemas.microsoft.com/office/drawing/2018/hyperlinkcolor" val="tx"/>
                     </a:ext>
                   </a:extLst>
                 </a:hlinkClick>
@@ -13334,7 +13334,7 @@
                 <a:hlinkClick r:id="rId2">
                   <a:extLst>
                     <a:ext uri="{A12FA001-AC4F-418D-AE19-62706E023703}">
-                      <ahyp:hlinkClr xmlns:ahyp="http://schemas.microsoft.com/office/drawing/2018/hyperlinkcolor" xmlns="" val="tx"/>
+                      <ahyp:hlinkClr xmlns:ahyp="http://schemas.microsoft.com/office/drawing/2018/hyperlinkcolor" val="tx"/>
                     </a:ext>
                   </a:extLst>
                 </a:hlinkClick>
@@ -24237,12 +24237,6 @@
             </a:r>
           </a:p>
           <a:p>
-            <a:r>
-              <a:rPr lang="en-US" sz="2000" b="1" dirty="0">
-                <a:latin typeface="Consolas" panose="020B0609020204030204" pitchFamily="49" charset="0"/>
-              </a:rPr>
-              <a:t/>
-            </a:r>
             <a:br>
               <a:rPr lang="en-US" sz="2000" b="1" dirty="0">
                 <a:latin typeface="Consolas" panose="020B0609020204030204" pitchFamily="49" charset="0"/>
@@ -25951,10 +25945,6 @@
                 </a:solidFill>
               </a:rPr>
               <a:t>renders</a:t>
-            </a:r>
-            <a:r>
-              <a:rPr lang="en-US" sz="3200" dirty="0"/>
-              <a:t/>
             </a:r>
             <a:br>
               <a:rPr lang="en-US" sz="3200" dirty="0"/>
@@ -31319,12 +31309,6 @@
             </a:r>
           </a:p>
           <a:p>
-            <a:r>
-              <a:rPr lang="en-US" sz="2000" b="1" dirty="0">
-                <a:latin typeface="Consolas" panose="020B0609020204030204" pitchFamily="49" charset="0"/>
-              </a:rPr>
-              <a:t/>
-            </a:r>
             <a:br>
               <a:rPr lang="en-US" sz="2000" b="1" dirty="0">
                 <a:latin typeface="Consolas" panose="020B0609020204030204" pitchFamily="49" charset="0"/>
@@ -33039,10 +33023,6 @@
                 <a:hlinkClick r:id="rId2"/>
               </a:rPr>
               <a:t>sli.do</a:t>
-            </a:r>
-            <a:r>
-              <a:rPr lang="en-US" sz="5998" b="1" dirty="0"/>
-              <a:t/>
             </a:r>
             <a:br>
               <a:rPr lang="en-US" sz="5998" b="1" dirty="0"/>
